--- a/vignettes/PKNCA-ISoP_Study_Group-2016-05-25.pptx
+++ b/vignettes/PKNCA-ISoP_Study_Group-2016-05-25.pptx
@@ -186,7 +186,7 @@
           <a:p>
             <a:fld id="{AF4774B1-D2C3-4B6B-AD7A-F2E8D3F257B0}" type="datetimeFigureOut">
               <a:rPr lang="en-US" smtClean="0"/>
-              <a:t>5/24/2016</a:t>
+              <a:t>5/25/2016</a:t>
             </a:fld>
             <a:endParaRPr lang="en-US"/>
           </a:p>
@@ -440,7 +440,7 @@
           <a:p>
             <a:fld id="{531A0ECD-FE47-49A0-B16C-5202A4F9BB59}" type="datetime1">
               <a:rPr lang="en-US" smtClean="0"/>
-              <a:t>5/24/2016</a:t>
+              <a:t>5/25/2016</a:t>
             </a:fld>
             <a:endParaRPr lang="en-US"/>
           </a:p>
@@ -4317,7 +4317,7 @@
           <a:p>
             <a:fld id="{1EFEDB22-303D-4820-8504-5BD25D459F1F}" type="datetime1">
               <a:rPr lang="en-US" smtClean="0"/>
-              <a:t>5/24/2016</a:t>
+              <a:t>5/25/2016</a:t>
             </a:fld>
             <a:endParaRPr lang="en-US"/>
           </a:p>
@@ -4735,7 +4735,7 @@
           <a:p>
             <a:fld id="{C3D3644F-4D4B-4E39-BB84-45B4D30F0AA4}" type="datetime1">
               <a:rPr lang="en-US" smtClean="0"/>
-              <a:t>5/24/2016</a:t>
+              <a:t>5/25/2016</a:t>
             </a:fld>
             <a:endParaRPr lang="en-US"/>
           </a:p>
@@ -5187,7 +5187,7 @@
           <a:p>
             <a:fld id="{AF4774B1-D2C3-4B6B-AD7A-F2E8D3F257B0}" type="datetimeFigureOut">
               <a:rPr lang="en-US" smtClean="0"/>
-              <a:t>5/24/2016</a:t>
+              <a:t>5/25/2016</a:t>
             </a:fld>
             <a:endParaRPr lang="en-US"/>
           </a:p>
@@ -5563,7 +5563,7 @@
           <a:p>
             <a:fld id="{AF4774B1-D2C3-4B6B-AD7A-F2E8D3F257B0}" type="datetimeFigureOut">
               <a:rPr lang="en-US" smtClean="0"/>
-              <a:t>5/24/2016</a:t>
+              <a:t>5/25/2016</a:t>
             </a:fld>
             <a:endParaRPr lang="en-US"/>
           </a:p>
@@ -5680,7 +5680,7 @@
           <a:p>
             <a:fld id="{AF4774B1-D2C3-4B6B-AD7A-F2E8D3F257B0}" type="datetimeFigureOut">
               <a:rPr lang="en-US" smtClean="0"/>
-              <a:t>5/24/2016</a:t>
+              <a:t>5/25/2016</a:t>
             </a:fld>
             <a:endParaRPr lang="en-US"/>
           </a:p>
@@ -5775,7 +5775,7 @@
           <a:p>
             <a:fld id="{AF4774B1-D2C3-4B6B-AD7A-F2E8D3F257B0}" type="datetimeFigureOut">
               <a:rPr lang="en-US" smtClean="0"/>
-              <a:t>5/24/2016</a:t>
+              <a:t>5/25/2016</a:t>
             </a:fld>
             <a:endParaRPr lang="en-US"/>
           </a:p>
@@ -6056,7 +6056,7 @@
           <a:p>
             <a:fld id="{AF4774B1-D2C3-4B6B-AD7A-F2E8D3F257B0}" type="datetimeFigureOut">
               <a:rPr lang="en-US" smtClean="0"/>
-              <a:t>5/24/2016</a:t>
+              <a:t>5/25/2016</a:t>
             </a:fld>
             <a:endParaRPr lang="en-US"/>
           </a:p>
@@ -6232,7 +6232,7 @@
           <a:p>
             <a:fld id="{AF4774B1-D2C3-4B6B-AD7A-F2E8D3F257B0}" type="datetimeFigureOut">
               <a:rPr lang="en-US" smtClean="0"/>
-              <a:t>5/24/2016</a:t>
+              <a:t>5/25/2016</a:t>
             </a:fld>
             <a:endParaRPr lang="en-US"/>
           </a:p>
@@ -6472,7 +6472,7 @@
           <a:p>
             <a:fld id="{AF4774B1-D2C3-4B6B-AD7A-F2E8D3F257B0}" type="datetimeFigureOut">
               <a:rPr lang="en-US" smtClean="0"/>
-              <a:t>5/24/2016</a:t>
+              <a:t>5/25/2016</a:t>
             </a:fld>
             <a:endParaRPr lang="en-US"/>
           </a:p>
@@ -6640,7 +6640,7 @@
           <a:p>
             <a:fld id="{AF4774B1-D2C3-4B6B-AD7A-F2E8D3F257B0}" type="datetimeFigureOut">
               <a:rPr lang="en-US" smtClean="0"/>
-              <a:t>5/24/2016</a:t>
+              <a:t>5/25/2016</a:t>
             </a:fld>
             <a:endParaRPr lang="en-US"/>
           </a:p>
@@ -6792,7 +6792,7 @@
           <a:p>
             <a:fld id="{AF4774B1-D2C3-4B6B-AD7A-F2E8D3F257B0}" type="datetimeFigureOut">
               <a:rPr lang="en-US" smtClean="0"/>
-              <a:t>5/24/2016</a:t>
+              <a:t>5/25/2016</a:t>
             </a:fld>
             <a:endParaRPr lang="en-US"/>
           </a:p>
@@ -7600,7 +7600,7 @@
           <a:p>
             <a:fld id="{1FDAC529-D3C1-43E8-86C1-8921F2EC598B}" type="datetime1">
               <a:rPr lang="en-US" smtClean="0"/>
-              <a:t>5/24/2016</a:t>
+              <a:t>5/25/2016</a:t>
             </a:fld>
             <a:endParaRPr lang="en-US"/>
           </a:p>
@@ -8066,20 +8066,37 @@
         </p:nvSpPr>
         <p:spPr/>
         <p:txBody>
-          <a:bodyPr/>
+          <a:bodyPr>
+            <a:normAutofit/>
+          </a:bodyPr>
           <a:lstStyle/>
           <a:p>
+            <a:pPr marL="457200" indent="-457200" algn="l"/>
             <a:r>
               <a:rPr lang="en-US" dirty="0"/>
-              <a:t>PKNCA: Scripted </a:t>
-            </a:r>
-            <a:r>
-              <a:rPr lang="en-US" dirty="0" err="1"/>
-              <a:t>NCA</a:t>
-            </a:r>
-            <a:r>
+              <a:t>Introduction to PKNCA</a:t>
+            </a:r>
+            <a:br>
               <a:rPr lang="en-US" dirty="0"/>
-              <a:t> Made Easy</a:t>
+            </a:br>
+            <a:r>
+              <a:rPr lang="en-US" sz="2800" dirty="0"/>
+              <a:t>Automation of </a:t>
+            </a:r>
+            <a:r>
+              <a:rPr lang="en-US" sz="2800" dirty="0" err="1"/>
+              <a:t>Noncompartmental</a:t>
+            </a:r>
+            <a:r>
+              <a:rPr lang="en-US" sz="2800" dirty="0"/>
+              <a:t> Analysis in R</a:t>
+            </a:r>
+            <a:br>
+              <a:rPr lang="en-US" sz="2800" dirty="0"/>
+            </a:br>
+            <a:r>
+              <a:rPr lang="en-US" sz="2800" dirty="0"/>
+              <a:t>(or Scripted NCA Made Easy)</a:t>
             </a:r>
           </a:p>
         </p:txBody>
@@ -9379,7 +9396,7 @@
         </p:blipFill>
         <p:spPr bwMode="auto">
           <a:xfrm>
-            <a:off x="990600" y="2045174"/>
+            <a:off x="990600" y="1968974"/>
             <a:ext cx="4572000" cy="2488138"/>
           </a:xfrm>
           <a:prstGeom prst="rect">
@@ -9443,7 +9460,7 @@
         </p:blipFill>
         <p:spPr bwMode="auto">
           <a:xfrm>
-            <a:off x="6858000" y="3447671"/>
+            <a:off x="6858000" y="3371471"/>
             <a:ext cx="4572000" cy="2489237"/>
           </a:xfrm>
           <a:prstGeom prst="rect">
@@ -9492,7 +9509,7 @@
         </p:nvSpPr>
         <p:spPr>
           <a:xfrm>
-            <a:off x="3366390" y="4724400"/>
+            <a:off x="3366390" y="4648200"/>
             <a:ext cx="3410643" cy="334692"/>
           </a:xfrm>
           <a:custGeom>
@@ -9584,6 +9601,62 @@
           </a:p>
         </p:txBody>
       </p:sp>
+      <p:sp>
+        <p:nvSpPr>
+          <p:cNvPr id="7" name="Rectangle 6"/>
+          <p:cNvSpPr/>
+          <p:nvPr/>
+        </p:nvSpPr>
+        <p:spPr>
+          <a:xfrm>
+            <a:off x="685800" y="1828800"/>
+            <a:ext cx="10896600" cy="4114800"/>
+          </a:xfrm>
+          <a:prstGeom prst="rect">
+            <a:avLst/>
+          </a:prstGeom>
+          <a:solidFill>
+            <a:schemeClr val="bg1">
+              <a:alpha val="70000"/>
+            </a:schemeClr>
+          </a:solidFill>
+          <a:ln>
+            <a:noFill/>
+          </a:ln>
+        </p:spPr>
+        <p:style>
+          <a:lnRef idx="2">
+            <a:schemeClr val="accent1">
+              <a:shade val="50000"/>
+            </a:schemeClr>
+          </a:lnRef>
+          <a:fillRef idx="1">
+            <a:schemeClr val="accent1"/>
+          </a:fillRef>
+          <a:effectRef idx="0">
+            <a:schemeClr val="accent1"/>
+          </a:effectRef>
+          <a:fontRef idx="minor">
+            <a:schemeClr val="lt1"/>
+          </a:fontRef>
+        </p:style>
+        <p:txBody>
+          <a:bodyPr rtlCol="0" anchor="ctr"/>
+          <a:lstStyle/>
+          <a:p>
+            <a:pPr algn="ctr"/>
+            <a:r>
+              <a:rPr lang="en-US" sz="16600" dirty="0">
+                <a:solidFill>
+                  <a:schemeClr val="tx1"/>
+                </a:solidFill>
+                <a:latin typeface="Century" panose="02040604050505020304" pitchFamily="18" charset="0"/>
+              </a:rPr>
+              <a:t>?</a:t>
+            </a:r>
+          </a:p>
+        </p:txBody>
+      </p:sp>
     </p:spTree>
     <p:extLst>
       <p:ext uri="{BB962C8B-B14F-4D97-AF65-F5344CB8AC3E}">
@@ -9722,25 +9795,27 @@
               <a:rPr lang="en-US" dirty="0"/>
               <a:t>NCA calculation methods are becoming better defined</a:t>
             </a:r>
+            <a:endParaRPr lang="en-US" baseline="30000" dirty="0"/>
+          </a:p>
+          <a:p>
+            <a:pPr lvl="1"/>
+            <a:r>
+              <a:rPr lang="en-US" dirty="0"/>
+              <a:t>FDA/</a:t>
+            </a:r>
+            <a:r>
+              <a:rPr lang="en-US" dirty="0" err="1"/>
+              <a:t>PhUSE</a:t>
+            </a:r>
+            <a:r>
+              <a:rPr lang="en-US" dirty="0"/>
+              <a:t> CSS 2014 whitepaper on NCA calculations and recommended reporting</a:t>
+            </a:r>
             <a:r>
               <a:rPr lang="en-US" baseline="30000" dirty="0"/>
               <a:t>†</a:t>
             </a:r>
-          </a:p>
-          <a:p>
-            <a:pPr lvl="1"/>
-            <a:r>
-              <a:rPr lang="en-US" dirty="0"/>
-              <a:t>FDA/</a:t>
-            </a:r>
-            <a:r>
-              <a:rPr lang="en-US" dirty="0" err="1"/>
-              <a:t>PhUSE</a:t>
-            </a:r>
-            <a:r>
-              <a:rPr lang="en-US" dirty="0"/>
-              <a:t> CSS whitepaper on NCA calculation methods and recommended reporting</a:t>
-            </a:r>
+            <a:endParaRPr lang="en-US" dirty="0"/>
           </a:p>
         </p:txBody>
       </p:sp>
@@ -9766,12 +9841,14 @@
           </a:bodyPr>
           <a:lstStyle/>
           <a:p>
+            <a:pPr marL="119063" indent="-119063"/>
             <a:r>
               <a:rPr lang="en-US" sz="1000" dirty="0"/>
               <a:t>* http://www.fda.gov/forindustry/datastandards/studydatastandards/default.htm and http://www.fda.gov/downloads/Drugs/Guidances/UCM384686.pdf</a:t>
             </a:r>
           </a:p>
           <a:p>
+            <a:pPr marL="119063" indent="-119063"/>
             <a:r>
               <a:rPr lang="en-US" sz="1000" dirty="0"/>
               <a:t>† http://www.phusewiki.org/wiki/images/e/ed/PhUSE_CSS_WhitePaper_PK_final_25March2014.pdf</a:t>
@@ -10286,18 +10363,7 @@
           <a:p>
             <a:r>
               <a:rPr lang="en-US" dirty="0"/>
-              <a:t>Improved prediction of </a:t>
-            </a:r>
-            <a:r>
-              <a:rPr lang="en-US"/>
-              <a:t>desired parameters</a:t>
-            </a:r>
-            <a:endParaRPr lang="en-US" dirty="0"/>
-          </a:p>
-          <a:p>
-            <a:r>
-              <a:rPr lang="en-US" dirty="0"/>
-              <a:t>Stable user interface</a:t>
+              <a:t>Improved prediction of desired parameters</a:t>
             </a:r>
           </a:p>
         </p:txBody>
@@ -10433,6 +10499,34 @@
               <a:rPr lang="en-US" dirty="0"/>
               <a:t>Read the vignettes for how to use PKNCA</a:t>
             </a:r>
+          </a:p>
+          <a:p>
+            <a:pPr lvl="1"/>
+            <a:r>
+              <a:rPr lang="en-US" dirty="0"/>
+              <a:t>Presentations: </a:t>
+            </a:r>
+            <a:r>
+              <a:rPr lang="en-US" dirty="0">
+                <a:hlinkClick r:id="rId5"/>
+              </a:rPr>
+              <a:t>https://cran.r-project.org/web/packages/PKNCA/vignettes/</a:t>
+            </a:r>
+            <a:endParaRPr lang="en-US" dirty="0"/>
+          </a:p>
+          <a:p>
+            <a:pPr lvl="1"/>
+            <a:r>
+              <a:rPr lang="en-US" dirty="0"/>
+              <a:t>Examples of code: </a:t>
+            </a:r>
+            <a:r>
+              <a:rPr lang="en-US" dirty="0">
+                <a:hlinkClick r:id="rId6"/>
+              </a:rPr>
+              <a:t>https://github.com/billdenney/pknca/tree/master/vignettes</a:t>
+            </a:r>
+            <a:endParaRPr lang="en-US" dirty="0"/>
           </a:p>
           <a:p>
             <a:r>
